--- a/concept_eval/diagrams/sw_arch_planning.pptx
+++ b/concept_eval/diagrams/sw_arch_planning.pptx
@@ -106,7 +106,7 @@
   </p:defaultTextStyle>
   <p:extLst>
     <p:ext uri="{EFAFB233-063F-42B5-8137-9DF3F51BA10A}">
-      <p15:sldGuideLst xmlns:p15="http://schemas.microsoft.com/office/powerpoint/2012/main"/>
+      <p15:sldGuideLst xmlns="" xmlns:p15="http://schemas.microsoft.com/office/powerpoint/2012/main"/>
     </p:ext>
   </p:extLst>
 </p:presentation>
@@ -243,7 +243,7 @@
           <a:p>
             <a:fld id="{0C61AC82-A6A5-4319-A55B-35D99D499B8F}" type="datetimeFigureOut">
               <a:rPr lang="en-US" smtClean="0"/>
-              <a:t>10/26/2016</a:t>
+              <a:t>10/27/16</a:t>
             </a:fld>
             <a:endParaRPr lang="en-US"/>
           </a:p>
@@ -413,7 +413,7 @@
           <a:p>
             <a:fld id="{0C61AC82-A6A5-4319-A55B-35D99D499B8F}" type="datetimeFigureOut">
               <a:rPr lang="en-US" smtClean="0"/>
-              <a:t>10/26/2016</a:t>
+              <a:t>10/27/16</a:t>
             </a:fld>
             <a:endParaRPr lang="en-US"/>
           </a:p>
@@ -593,7 +593,7 @@
           <a:p>
             <a:fld id="{0C61AC82-A6A5-4319-A55B-35D99D499B8F}" type="datetimeFigureOut">
               <a:rPr lang="en-US" smtClean="0"/>
-              <a:t>10/26/2016</a:t>
+              <a:t>10/27/16</a:t>
             </a:fld>
             <a:endParaRPr lang="en-US"/>
           </a:p>
@@ -763,7 +763,7 @@
           <a:p>
             <a:fld id="{0C61AC82-A6A5-4319-A55B-35D99D499B8F}" type="datetimeFigureOut">
               <a:rPr lang="en-US" smtClean="0"/>
-              <a:t>10/26/2016</a:t>
+              <a:t>10/27/16</a:t>
             </a:fld>
             <a:endParaRPr lang="en-US"/>
           </a:p>
@@ -1009,7 +1009,7 @@
           <a:p>
             <a:fld id="{0C61AC82-A6A5-4319-A55B-35D99D499B8F}" type="datetimeFigureOut">
               <a:rPr lang="en-US" smtClean="0"/>
-              <a:t>10/26/2016</a:t>
+              <a:t>10/27/16</a:t>
             </a:fld>
             <a:endParaRPr lang="en-US"/>
           </a:p>
@@ -1241,7 +1241,7 @@
           <a:p>
             <a:fld id="{0C61AC82-A6A5-4319-A55B-35D99D499B8F}" type="datetimeFigureOut">
               <a:rPr lang="en-US" smtClean="0"/>
-              <a:t>10/26/2016</a:t>
+              <a:t>10/27/16</a:t>
             </a:fld>
             <a:endParaRPr lang="en-US"/>
           </a:p>
@@ -1608,7 +1608,7 @@
           <a:p>
             <a:fld id="{0C61AC82-A6A5-4319-A55B-35D99D499B8F}" type="datetimeFigureOut">
               <a:rPr lang="en-US" smtClean="0"/>
-              <a:t>10/26/2016</a:t>
+              <a:t>10/27/16</a:t>
             </a:fld>
             <a:endParaRPr lang="en-US"/>
           </a:p>
@@ -1726,7 +1726,7 @@
           <a:p>
             <a:fld id="{0C61AC82-A6A5-4319-A55B-35D99D499B8F}" type="datetimeFigureOut">
               <a:rPr lang="en-US" smtClean="0"/>
-              <a:t>10/26/2016</a:t>
+              <a:t>10/27/16</a:t>
             </a:fld>
             <a:endParaRPr lang="en-US"/>
           </a:p>
@@ -1821,7 +1821,7 @@
           <a:p>
             <a:fld id="{0C61AC82-A6A5-4319-A55B-35D99D499B8F}" type="datetimeFigureOut">
               <a:rPr lang="en-US" smtClean="0"/>
-              <a:t>10/26/2016</a:t>
+              <a:t>10/27/16</a:t>
             </a:fld>
             <a:endParaRPr lang="en-US"/>
           </a:p>
@@ -2098,7 +2098,7 @@
           <a:p>
             <a:fld id="{0C61AC82-A6A5-4319-A55B-35D99D499B8F}" type="datetimeFigureOut">
               <a:rPr lang="en-US" smtClean="0"/>
-              <a:t>10/26/2016</a:t>
+              <a:t>10/27/16</a:t>
             </a:fld>
             <a:endParaRPr lang="en-US"/>
           </a:p>
@@ -2351,7 +2351,7 @@
           <a:p>
             <a:fld id="{0C61AC82-A6A5-4319-A55B-35D99D499B8F}" type="datetimeFigureOut">
               <a:rPr lang="en-US" smtClean="0"/>
-              <a:t>10/26/2016</a:t>
+              <a:t>10/27/16</a:t>
             </a:fld>
             <a:endParaRPr lang="en-US"/>
           </a:p>
@@ -2564,7 +2564,7 @@
           <a:p>
             <a:fld id="{0C61AC82-A6A5-4319-A55B-35D99D499B8F}" type="datetimeFigureOut">
               <a:rPr lang="en-US" smtClean="0"/>
-              <a:t>10/26/2016</a:t>
+              <a:t>10/27/16</a:t>
             </a:fld>
             <a:endParaRPr lang="en-US"/>
           </a:p>
@@ -3222,12 +3222,12 @@
           <a:p>
             <a:pPr algn="ctr"/>
             <a:r>
-              <a:rPr lang="en-US" sz="1200" dirty="0" smtClean="0">
+              <a:rPr lang="en-US" sz="1200" dirty="0">
                 <a:solidFill>
                   <a:srgbClr val="000000"/>
                 </a:solidFill>
               </a:rPr>
-              <a:t>Compute paths</a:t>
+              <a:t>Order paths by endpoint proximity</a:t>
             </a:r>
             <a:endParaRPr lang="en-US" sz="1200" dirty="0">
               <a:solidFill>
@@ -3284,7 +3284,7 @@
                   <a:srgbClr val="000000"/>
                 </a:solidFill>
               </a:rPr>
-              <a:t>Order paths by endpoint proximity</a:t>
+              <a:t>Compute Paths</a:t>
             </a:r>
             <a:endParaRPr lang="en-US" sz="1200" dirty="0">
               <a:solidFill>
@@ -3342,23 +3342,7 @@
                   <a:schemeClr val="tx1"/>
                 </a:solidFill>
               </a:rPr>
-              <a:t>Robot has </a:t>
-            </a:r>
-            <a:r>
-              <a:rPr lang="en-US" sz="1200" dirty="0" smtClean="0">
-                <a:solidFill>
-                  <a:schemeClr val="tx1"/>
-                </a:solidFill>
-              </a:rPr>
-              <a:t>path </a:t>
-            </a:r>
-            <a:r>
-              <a:rPr lang="en-US" sz="1200" dirty="0" smtClean="0">
-                <a:solidFill>
-                  <a:schemeClr val="tx1"/>
-                </a:solidFill>
-              </a:rPr>
-              <a:t>to draw</a:t>
+              <a:t>Robot has path to draw</a:t>
             </a:r>
             <a:endParaRPr lang="en-US" sz="1200" dirty="0">
               <a:solidFill>
@@ -3710,7 +3694,7 @@
         </p:nvSpPr>
         <p:spPr>
           <a:xfrm>
-            <a:off x="8722742" y="4570368"/>
+            <a:off x="10076576" y="4534423"/>
             <a:ext cx="924878" cy="816928"/>
           </a:xfrm>
           <a:prstGeom prst="rect">
@@ -4271,46 +4255,6 @@
       </p:cxnSp>
       <p:cxnSp>
         <p:nvCxnSpPr>
-          <p:cNvPr id="59" name="Straight Arrow Connector 58"/>
-          <p:cNvCxnSpPr>
-            <a:stCxn id="32" idx="6"/>
-            <a:endCxn id="31" idx="1"/>
-          </p:cNvCxnSpPr>
-          <p:nvPr/>
-        </p:nvCxnSpPr>
-        <p:spPr>
-          <a:xfrm>
-            <a:off x="8058691" y="4502583"/>
-            <a:ext cx="664051" cy="476249"/>
-          </a:xfrm>
-          <a:prstGeom prst="straightConnector1">
-            <a:avLst/>
-          </a:prstGeom>
-          <a:ln w="25400">
-            <a:solidFill>
-              <a:schemeClr val="tx1"/>
-            </a:solidFill>
-            <a:tailEnd type="arrow"/>
-          </a:ln>
-          <a:effectLst/>
-        </p:spPr>
-        <p:style>
-          <a:lnRef idx="2">
-            <a:schemeClr val="accent1"/>
-          </a:lnRef>
-          <a:fillRef idx="0">
-            <a:schemeClr val="accent1"/>
-          </a:fillRef>
-          <a:effectRef idx="1">
-            <a:schemeClr val="accent1"/>
-          </a:effectRef>
-          <a:fontRef idx="minor">
-            <a:schemeClr val="tx1"/>
-          </a:fontRef>
-        </p:style>
-      </p:cxnSp>
-      <p:cxnSp>
-        <p:nvCxnSpPr>
           <p:cNvPr id="62" name="Straight Arrow Connector 61"/>
           <p:cNvCxnSpPr>
             <a:stCxn id="33" idx="6"/>
@@ -4320,8 +4264,8 @@
         </p:nvCxnSpPr>
         <p:spPr>
           <a:xfrm flipV="1">
-            <a:off x="8058691" y="4978832"/>
-            <a:ext cx="664051" cy="476249"/>
+            <a:off x="8058691" y="4942887"/>
+            <a:ext cx="2017885" cy="512194"/>
           </a:xfrm>
           <a:prstGeom prst="straightConnector1">
             <a:avLst/>
@@ -4359,8 +4303,8 @@
         </p:nvCxnSpPr>
         <p:spPr>
           <a:xfrm flipH="1" flipV="1">
-            <a:off x="6162173" y="1466040"/>
-            <a:ext cx="3023008" cy="3104328"/>
+            <a:off x="6146170" y="1461762"/>
+            <a:ext cx="4392845" cy="3072661"/>
           </a:xfrm>
           <a:prstGeom prst="straightConnector1">
             <a:avLst/>
@@ -4485,6 +4429,143 @@
           </a:p>
         </p:txBody>
       </p:sp>
+      <p:sp>
+        <p:nvSpPr>
+          <p:cNvPr id="38" name="Rectangle 37"/>
+          <p:cNvSpPr/>
+          <p:nvPr/>
+        </p:nvSpPr>
+        <p:spPr>
+          <a:xfrm>
+            <a:off x="8431850" y="4099723"/>
+            <a:ext cx="924878" cy="816928"/>
+          </a:xfrm>
+          <a:prstGeom prst="rect">
+            <a:avLst/>
+          </a:prstGeom>
+          <a:noFill/>
+          <a:ln>
+            <a:solidFill>
+              <a:schemeClr val="tx1"/>
+            </a:solidFill>
+          </a:ln>
+          <a:effectLst/>
+        </p:spPr>
+        <p:style>
+          <a:lnRef idx="1">
+            <a:schemeClr val="accent1"/>
+          </a:lnRef>
+          <a:fillRef idx="3">
+            <a:schemeClr val="accent1"/>
+          </a:fillRef>
+          <a:effectRef idx="2">
+            <a:schemeClr val="accent1"/>
+          </a:effectRef>
+          <a:fontRef idx="minor">
+            <a:schemeClr val="lt1"/>
+          </a:fontRef>
+        </p:style>
+        <p:txBody>
+          <a:bodyPr anchor="ctr" anchorCtr="0"/>
+          <a:lstStyle/>
+          <a:p>
+            <a:pPr algn="ctr"/>
+            <a:r>
+              <a:rPr lang="en-US" sz="1200" dirty="0" smtClean="0">
+                <a:solidFill>
+                  <a:srgbClr val="000000"/>
+                </a:solidFill>
+              </a:rPr>
+              <a:t>Add pause to trajectory</a:t>
+            </a:r>
+            <a:endParaRPr lang="en-US" sz="1200" dirty="0">
+              <a:solidFill>
+                <a:srgbClr val="000000"/>
+              </a:solidFill>
+            </a:endParaRPr>
+          </a:p>
+        </p:txBody>
+      </p:sp>
+      <p:cxnSp>
+        <p:nvCxnSpPr>
+          <p:cNvPr id="42" name="Straight Arrow Connector 41"/>
+          <p:cNvCxnSpPr>
+            <a:stCxn id="32" idx="6"/>
+            <a:endCxn id="38" idx="1"/>
+          </p:cNvCxnSpPr>
+          <p:nvPr/>
+        </p:nvCxnSpPr>
+        <p:spPr>
+          <a:xfrm>
+            <a:off x="8058691" y="4502583"/>
+            <a:ext cx="373159" cy="5604"/>
+          </a:xfrm>
+          <a:prstGeom prst="straightConnector1">
+            <a:avLst/>
+          </a:prstGeom>
+          <a:ln w="25400">
+            <a:solidFill>
+              <a:schemeClr val="tx1"/>
+            </a:solidFill>
+            <a:tailEnd type="arrow"/>
+          </a:ln>
+          <a:effectLst/>
+        </p:spPr>
+        <p:style>
+          <a:lnRef idx="2">
+            <a:schemeClr val="accent1"/>
+          </a:lnRef>
+          <a:fillRef idx="0">
+            <a:schemeClr val="accent1"/>
+          </a:fillRef>
+          <a:effectRef idx="1">
+            <a:schemeClr val="accent1"/>
+          </a:effectRef>
+          <a:fontRef idx="minor">
+            <a:schemeClr val="tx1"/>
+          </a:fontRef>
+        </p:style>
+      </p:cxnSp>
+      <p:cxnSp>
+        <p:nvCxnSpPr>
+          <p:cNvPr id="44" name="Straight Arrow Connector 43"/>
+          <p:cNvCxnSpPr>
+            <a:stCxn id="38" idx="3"/>
+            <a:endCxn id="31" idx="1"/>
+          </p:cNvCxnSpPr>
+          <p:nvPr/>
+        </p:nvCxnSpPr>
+        <p:spPr>
+          <a:xfrm>
+            <a:off x="9356728" y="4508187"/>
+            <a:ext cx="719848" cy="434700"/>
+          </a:xfrm>
+          <a:prstGeom prst="straightConnector1">
+            <a:avLst/>
+          </a:prstGeom>
+          <a:ln w="25400">
+            <a:solidFill>
+              <a:schemeClr val="tx1"/>
+            </a:solidFill>
+            <a:tailEnd type="arrow"/>
+          </a:ln>
+          <a:effectLst/>
+        </p:spPr>
+        <p:style>
+          <a:lnRef idx="2">
+            <a:schemeClr val="accent1"/>
+          </a:lnRef>
+          <a:fillRef idx="0">
+            <a:schemeClr val="accent1"/>
+          </a:fillRef>
+          <a:effectRef idx="1">
+            <a:schemeClr val="accent1"/>
+          </a:effectRef>
+          <a:fontRef idx="minor">
+            <a:schemeClr val="tx1"/>
+          </a:fontRef>
+        </p:style>
+      </p:cxnSp>
     </p:spTree>
     <p:extLst>
       <p:ext uri="{BB962C8B-B14F-4D97-AF65-F5344CB8AC3E}">
@@ -4541,7 +4622,7 @@
     </a:clrScheme>
     <a:fontScheme name="Office">
       <a:majorFont>
-        <a:latin typeface="Calibri Light" panose="020F0302020204030204"/>
+        <a:latin typeface="Calibri Light"/>
         <a:ea typeface=""/>
         <a:cs typeface=""/>
         <a:font script="Jpan" typeface="ＭＳ Ｐゴシック"/>
@@ -4576,7 +4657,7 @@
         <a:font script="Geor" typeface="Sylfaen"/>
       </a:majorFont>
       <a:minorFont>
-        <a:latin typeface="Calibri" panose="020F0502020204030204"/>
+        <a:latin typeface="Calibri"/>
         <a:ea typeface=""/>
         <a:cs typeface=""/>
         <a:font script="Jpan" typeface="ＭＳ Ｐゴシック"/>
@@ -4753,7 +4834,7 @@
   <a:extraClrSchemeLst/>
   <a:extLst>
     <a:ext uri="{05A4C25C-085E-4340-85A3-A5531E510DB2}">
-      <thm15:themeFamily xmlns:thm15="http://schemas.microsoft.com/office/thememl/2012/main" name="Office Theme" id="{62F939B6-93AF-4DB8-9C6B-D6C7DFDC589F}" vid="{4A3C46E8-61CC-4603-A589-7422A47A8E4A}"/>
+      <thm15:themeFamily xmlns="" xmlns:thm15="http://schemas.microsoft.com/office/thememl/2012/main" name="Office Theme" id="{62F939B6-93AF-4DB8-9C6B-D6C7DFDC589F}" vid="{4A3C46E8-61CC-4603-A589-7422A47A8E4A}"/>
     </a:ext>
   </a:extLst>
 </a:theme>
